--- a/euthymia figure.pptx
+++ b/euthymia figure.pptx
@@ -104,6 +104,11 @@
       </a:defRPr>
     </a:lvl9pPr>
   </p:defaultTextStyle>
+  <p:extLst>
+    <p:ext uri="{EFAFB233-063F-42B5-8137-9DF3F51BA10A}">
+      <p15:sldGuideLst xmlns:p15="http://schemas.microsoft.com/office/powerpoint/2012/main"/>
+    </p:ext>
+  </p:extLst>
 </p:presentation>
 </file>
 
@@ -254,7 +259,7 @@
           <a:p>
             <a:fld id="{E0EF301A-4257-DE44-866F-7745D6580616}" type="datetimeFigureOut">
               <a:rPr lang="de-DE" smtClean="0"/>
-              <a:t>07.06.25</a:t>
+              <a:t>15.06.25</a:t>
             </a:fld>
             <a:endParaRPr lang="de-DE"/>
           </a:p>
@@ -452,7 +457,7 @@
           <a:p>
             <a:fld id="{E0EF301A-4257-DE44-866F-7745D6580616}" type="datetimeFigureOut">
               <a:rPr lang="de-DE" smtClean="0"/>
-              <a:t>07.06.25</a:t>
+              <a:t>15.06.25</a:t>
             </a:fld>
             <a:endParaRPr lang="de-DE"/>
           </a:p>
@@ -660,7 +665,7 @@
           <a:p>
             <a:fld id="{E0EF301A-4257-DE44-866F-7745D6580616}" type="datetimeFigureOut">
               <a:rPr lang="de-DE" smtClean="0"/>
-              <a:t>07.06.25</a:t>
+              <a:t>15.06.25</a:t>
             </a:fld>
             <a:endParaRPr lang="de-DE"/>
           </a:p>
@@ -858,7 +863,7 @@
           <a:p>
             <a:fld id="{E0EF301A-4257-DE44-866F-7745D6580616}" type="datetimeFigureOut">
               <a:rPr lang="de-DE" smtClean="0"/>
-              <a:t>07.06.25</a:t>
+              <a:t>15.06.25</a:t>
             </a:fld>
             <a:endParaRPr lang="de-DE"/>
           </a:p>
@@ -1133,7 +1138,7 @@
           <a:p>
             <a:fld id="{E0EF301A-4257-DE44-866F-7745D6580616}" type="datetimeFigureOut">
               <a:rPr lang="de-DE" smtClean="0"/>
-              <a:t>07.06.25</a:t>
+              <a:t>15.06.25</a:t>
             </a:fld>
             <a:endParaRPr lang="de-DE"/>
           </a:p>
@@ -1398,7 +1403,7 @@
           <a:p>
             <a:fld id="{E0EF301A-4257-DE44-866F-7745D6580616}" type="datetimeFigureOut">
               <a:rPr lang="de-DE" smtClean="0"/>
-              <a:t>07.06.25</a:t>
+              <a:t>15.06.25</a:t>
             </a:fld>
             <a:endParaRPr lang="de-DE"/>
           </a:p>
@@ -1810,7 +1815,7 @@
           <a:p>
             <a:fld id="{E0EF301A-4257-DE44-866F-7745D6580616}" type="datetimeFigureOut">
               <a:rPr lang="de-DE" smtClean="0"/>
-              <a:t>07.06.25</a:t>
+              <a:t>15.06.25</a:t>
             </a:fld>
             <a:endParaRPr lang="de-DE"/>
           </a:p>
@@ -1951,7 +1956,7 @@
           <a:p>
             <a:fld id="{E0EF301A-4257-DE44-866F-7745D6580616}" type="datetimeFigureOut">
               <a:rPr lang="de-DE" smtClean="0"/>
-              <a:t>07.06.25</a:t>
+              <a:t>15.06.25</a:t>
             </a:fld>
             <a:endParaRPr lang="de-DE"/>
           </a:p>
@@ -2064,7 +2069,7 @@
           <a:p>
             <a:fld id="{E0EF301A-4257-DE44-866F-7745D6580616}" type="datetimeFigureOut">
               <a:rPr lang="de-DE" smtClean="0"/>
-              <a:t>07.06.25</a:t>
+              <a:t>15.06.25</a:t>
             </a:fld>
             <a:endParaRPr lang="de-DE"/>
           </a:p>
@@ -2375,7 +2380,7 @@
           <a:p>
             <a:fld id="{E0EF301A-4257-DE44-866F-7745D6580616}" type="datetimeFigureOut">
               <a:rPr lang="de-DE" smtClean="0"/>
-              <a:t>07.06.25</a:t>
+              <a:t>15.06.25</a:t>
             </a:fld>
             <a:endParaRPr lang="de-DE"/>
           </a:p>
@@ -2663,7 +2668,7 @@
           <a:p>
             <a:fld id="{E0EF301A-4257-DE44-866F-7745D6580616}" type="datetimeFigureOut">
               <a:rPr lang="de-DE" smtClean="0"/>
-              <a:t>07.06.25</a:t>
+              <a:t>15.06.25</a:t>
             </a:fld>
             <a:endParaRPr lang="de-DE"/>
           </a:p>
@@ -2904,7 +2909,7 @@
           <a:p>
             <a:fld id="{E0EF301A-4257-DE44-866F-7745D6580616}" type="datetimeFigureOut">
               <a:rPr lang="de-DE" smtClean="0"/>
-              <a:t>07.06.25</a:t>
+              <a:t>15.06.25</a:t>
             </a:fld>
             <a:endParaRPr lang="de-DE"/>
           </a:p>
@@ -3764,8 +3769,8 @@
         </p:nvSpPr>
         <p:spPr>
           <a:xfrm>
-            <a:off x="8070552" y="4999337"/>
-            <a:ext cx="1620001" cy="646331"/>
+            <a:off x="8070552" y="4833083"/>
+            <a:ext cx="1620001" cy="923330"/>
           </a:xfrm>
           <a:prstGeom prst="rect">
             <a:avLst/>
@@ -3784,7 +3789,7 @@
                 <a:latin typeface="Times New Roman" panose="02020603050405020304" pitchFamily="18" charset="0"/>
                 <a:cs typeface="Times New Roman" panose="02020603050405020304" pitchFamily="18" charset="0"/>
               </a:rPr>
-              <a:t>Personal growth</a:t>
+              <a:t>Positive relations with others</a:t>
             </a:r>
           </a:p>
         </p:txBody>
@@ -3875,7 +3880,7 @@
                 <a:latin typeface="Times New Roman" panose="02020603050405020304" pitchFamily="18" charset="0"/>
                 <a:cs typeface="Times New Roman" panose="02020603050405020304" pitchFamily="18" charset="0"/>
               </a:rPr>
-              <a:t>Personal growth</a:t>
+              <a:t>Environmental Mastery</a:t>
             </a:r>
           </a:p>
         </p:txBody>
@@ -3966,7 +3971,20 @@
                 <a:latin typeface="Times New Roman" panose="02020603050405020304" pitchFamily="18" charset="0"/>
                 <a:cs typeface="Times New Roman" panose="02020603050405020304" pitchFamily="18" charset="0"/>
               </a:rPr>
-              <a:t>Personal growth</a:t>
+              <a:t>Purpose </a:t>
+            </a:r>
+            <a:br>
+              <a:rPr lang="en-US" noProof="0" dirty="0">
+                <a:latin typeface="Times New Roman" panose="02020603050405020304" pitchFamily="18" charset="0"/>
+                <a:cs typeface="Times New Roman" panose="02020603050405020304" pitchFamily="18" charset="0"/>
+              </a:rPr>
+            </a:br>
+            <a:r>
+              <a:rPr lang="en-US" noProof="0" dirty="0">
+                <a:latin typeface="Times New Roman" panose="02020603050405020304" pitchFamily="18" charset="0"/>
+                <a:cs typeface="Times New Roman" panose="02020603050405020304" pitchFamily="18" charset="0"/>
+              </a:rPr>
+              <a:t>in life</a:t>
             </a:r>
           </a:p>
         </p:txBody>
@@ -4057,7 +4075,7 @@
                 <a:latin typeface="Times New Roman" panose="02020603050405020304" pitchFamily="18" charset="0"/>
                 <a:cs typeface="Times New Roman" panose="02020603050405020304" pitchFamily="18" charset="0"/>
               </a:rPr>
-              <a:t>Personal growth</a:t>
+              <a:t>Self- acceptance</a:t>
             </a:r>
           </a:p>
         </p:txBody>
@@ -4128,8 +4146,8 @@
         </p:nvSpPr>
         <p:spPr>
           <a:xfrm>
-            <a:off x="8046468" y="1511809"/>
-            <a:ext cx="1620001" cy="646331"/>
+            <a:off x="8046468" y="1642437"/>
+            <a:ext cx="1620001" cy="369332"/>
           </a:xfrm>
           <a:prstGeom prst="rect">
             <a:avLst/>
@@ -4148,7 +4166,7 @@
                 <a:latin typeface="Times New Roman" panose="02020603050405020304" pitchFamily="18" charset="0"/>
                 <a:cs typeface="Times New Roman" panose="02020603050405020304" pitchFamily="18" charset="0"/>
               </a:rPr>
-              <a:t>Personal growth</a:t>
+              <a:t>Autonomy</a:t>
             </a:r>
           </a:p>
         </p:txBody>
